--- a/ClassMaterials/JavaIntro/Slides/Part3-SettingUpEnvironment.pptx
+++ b/ClassMaterials/JavaIntro/Slides/Part3-SettingUpEnvironment.pptx
@@ -5,13 +5,16 @@
     <p:sldMasterId id="2147483648" r:id="rId1"/>
   </p:sldMasterIdLst>
   <p:notesMasterIdLst>
-    <p:notesMasterId r:id="rId6"/>
+    <p:notesMasterId r:id="rId9"/>
   </p:notesMasterIdLst>
   <p:sldIdLst>
     <p:sldId id="344" r:id="rId2"/>
     <p:sldId id="345" r:id="rId3"/>
     <p:sldId id="347" r:id="rId4"/>
     <p:sldId id="346" r:id="rId5"/>
+    <p:sldId id="348" r:id="rId6"/>
+    <p:sldId id="349" r:id="rId7"/>
+    <p:sldId id="350" r:id="rId8"/>
   </p:sldIdLst>
   <p:sldSz cx="12192000" cy="6858000"/>
   <p:notesSz cx="6858000" cy="9144000"/>
@@ -956,7 +959,7 @@
           <a:p>
             <a:fld id="{A8CD1F60-86AF-274C-B759-04AFDD96F2D3}" type="datetimeFigureOut">
               <a:rPr lang="en-US" smtClean="0"/>
-              <a:t>11/21/2023</a:t>
+              <a:t>2/26/2024</a:t>
             </a:fld>
             <a:endParaRPr lang="en-US"/>
           </a:p>
@@ -1461,7 +1464,7 @@
           <a:p>
             <a:fld id="{1558ECB0-78E8-2947-93F5-766FFF283DA8}" type="datetimeFigureOut">
               <a:rPr lang="en-US" smtClean="0"/>
-              <a:t>11/21/2023</a:t>
+              <a:t>2/26/2024</a:t>
             </a:fld>
             <a:endParaRPr lang="en-US"/>
           </a:p>
@@ -1659,7 +1662,7 @@
           <a:p>
             <a:fld id="{1558ECB0-78E8-2947-93F5-766FFF283DA8}" type="datetimeFigureOut">
               <a:rPr lang="en-US" smtClean="0"/>
-              <a:t>11/21/2023</a:t>
+              <a:t>2/26/2024</a:t>
             </a:fld>
             <a:endParaRPr lang="en-US"/>
           </a:p>
@@ -1867,7 +1870,7 @@
           <a:p>
             <a:fld id="{1558ECB0-78E8-2947-93F5-766FFF283DA8}" type="datetimeFigureOut">
               <a:rPr lang="en-US" smtClean="0"/>
-              <a:t>11/21/2023</a:t>
+              <a:t>2/26/2024</a:t>
             </a:fld>
             <a:endParaRPr lang="en-US"/>
           </a:p>
@@ -2065,7 +2068,7 @@
           <a:p>
             <a:fld id="{1558ECB0-78E8-2947-93F5-766FFF283DA8}" type="datetimeFigureOut">
               <a:rPr lang="en-US" smtClean="0"/>
-              <a:t>11/21/2023</a:t>
+              <a:t>2/26/2024</a:t>
             </a:fld>
             <a:endParaRPr lang="en-US"/>
           </a:p>
@@ -2340,7 +2343,7 @@
           <a:p>
             <a:fld id="{1558ECB0-78E8-2947-93F5-766FFF283DA8}" type="datetimeFigureOut">
               <a:rPr lang="en-US" smtClean="0"/>
-              <a:t>11/21/2023</a:t>
+              <a:t>2/26/2024</a:t>
             </a:fld>
             <a:endParaRPr lang="en-US"/>
           </a:p>
@@ -2605,7 +2608,7 @@
           <a:p>
             <a:fld id="{1558ECB0-78E8-2947-93F5-766FFF283DA8}" type="datetimeFigureOut">
               <a:rPr lang="en-US" smtClean="0"/>
-              <a:t>11/21/2023</a:t>
+              <a:t>2/26/2024</a:t>
             </a:fld>
             <a:endParaRPr lang="en-US"/>
           </a:p>
@@ -3017,7 +3020,7 @@
           <a:p>
             <a:fld id="{1558ECB0-78E8-2947-93F5-766FFF283DA8}" type="datetimeFigureOut">
               <a:rPr lang="en-US" smtClean="0"/>
-              <a:t>11/21/2023</a:t>
+              <a:t>2/26/2024</a:t>
             </a:fld>
             <a:endParaRPr lang="en-US"/>
           </a:p>
@@ -3158,7 +3161,7 @@
           <a:p>
             <a:fld id="{1558ECB0-78E8-2947-93F5-766FFF283DA8}" type="datetimeFigureOut">
               <a:rPr lang="en-US" smtClean="0"/>
-              <a:t>11/21/2023</a:t>
+              <a:t>2/26/2024</a:t>
             </a:fld>
             <a:endParaRPr lang="en-US"/>
           </a:p>
@@ -3271,7 +3274,7 @@
           <a:p>
             <a:fld id="{1558ECB0-78E8-2947-93F5-766FFF283DA8}" type="datetimeFigureOut">
               <a:rPr lang="en-US" smtClean="0"/>
-              <a:t>11/21/2023</a:t>
+              <a:t>2/26/2024</a:t>
             </a:fld>
             <a:endParaRPr lang="en-US"/>
           </a:p>
@@ -3582,7 +3585,7 @@
           <a:p>
             <a:fld id="{1558ECB0-78E8-2947-93F5-766FFF283DA8}" type="datetimeFigureOut">
               <a:rPr lang="en-US" smtClean="0"/>
-              <a:t>11/21/2023</a:t>
+              <a:t>2/26/2024</a:t>
             </a:fld>
             <a:endParaRPr lang="en-US"/>
           </a:p>
@@ -3870,7 +3873,7 @@
           <a:p>
             <a:fld id="{1558ECB0-78E8-2947-93F5-766FFF283DA8}" type="datetimeFigureOut">
               <a:rPr lang="en-US" smtClean="0"/>
-              <a:t>11/21/2023</a:t>
+              <a:t>2/26/2024</a:t>
             </a:fld>
             <a:endParaRPr lang="en-US"/>
           </a:p>
@@ -4111,7 +4114,7 @@
           <a:p>
             <a:fld id="{1558ECB0-78E8-2947-93F5-766FFF283DA8}" type="datetimeFigureOut">
               <a:rPr lang="en-US" smtClean="0"/>
-              <a:t>11/21/2023</a:t>
+              <a:t>2/26/2024</a:t>
             </a:fld>
             <a:endParaRPr lang="en-US"/>
           </a:p>
@@ -4607,36 +4610,6 @@
           </a:p>
         </p:txBody>
       </p:sp>
-      <p:pic>
-        <p:nvPicPr>
-          <p:cNvPr id="6" name="Picture 5">
-            <a:extLst>
-              <a:ext uri="{FF2B5EF4-FFF2-40B4-BE49-F238E27FC236}">
-                <a16:creationId xmlns:a16="http://schemas.microsoft.com/office/drawing/2014/main" id="{DCD4BF5B-938B-8CD0-5544-883010EE9F25}"/>
-              </a:ext>
-            </a:extLst>
-          </p:cNvPr>
-          <p:cNvPicPr>
-            <a:picLocks noChangeAspect="1"/>
-          </p:cNvPicPr>
-          <p:nvPr/>
-        </p:nvPicPr>
-        <p:blipFill>
-          <a:blip r:embed="rId4"/>
-          <a:stretch>
-            <a:fillRect/>
-          </a:stretch>
-        </p:blipFill>
-        <p:spPr>
-          <a:xfrm>
-            <a:off x="268941" y="2069259"/>
-            <a:ext cx="8925262" cy="4467099"/>
-          </a:xfrm>
-          <a:prstGeom prst="rect">
-            <a:avLst/>
-          </a:prstGeom>
-        </p:spPr>
-      </p:pic>
       <p:sp>
         <p:nvSpPr>
           <p:cNvPr id="5" name="TextBox 4">
@@ -4679,7 +4652,7 @@
             </a:pPr>
             <a:r>
               <a:rPr lang="en-US" sz="3600" dirty="0">
-                <a:hlinkClick r:id="rId5"/>
+                <a:hlinkClick r:id="rId4"/>
               </a:rPr>
               <a:t>tinyurl.com/csse220setup</a:t>
             </a:r>
@@ -4687,6 +4660,36 @@
           </a:p>
         </p:txBody>
       </p:sp>
+      <p:pic>
+        <p:nvPicPr>
+          <p:cNvPr id="8" name="Picture 7">
+            <a:extLst>
+              <a:ext uri="{FF2B5EF4-FFF2-40B4-BE49-F238E27FC236}">
+                <a16:creationId xmlns:a16="http://schemas.microsoft.com/office/drawing/2014/main" id="{3B569597-700C-C691-7DD8-0C3BC7404106}"/>
+              </a:ext>
+            </a:extLst>
+          </p:cNvPr>
+          <p:cNvPicPr>
+            <a:picLocks noChangeAspect="1"/>
+          </p:cNvPicPr>
+          <p:nvPr/>
+        </p:nvPicPr>
+        <p:blipFill>
+          <a:blip r:embed="rId5"/>
+          <a:stretch>
+            <a:fillRect/>
+          </a:stretch>
+        </p:blipFill>
+        <p:spPr>
+          <a:xfrm>
+            <a:off x="559397" y="2196490"/>
+            <a:ext cx="7715139" cy="4438164"/>
+          </a:xfrm>
+          <a:prstGeom prst="rect">
+            <a:avLst/>
+          </a:prstGeom>
+        </p:spPr>
+      </p:pic>
     </p:spTree>
     <p:extLst>
       <p:ext uri="{BB962C8B-B14F-4D97-AF65-F5344CB8AC3E}">
@@ -4717,92 +4720,12 @@
           <a:chExt cx="0" cy="0"/>
         </a:xfrm>
       </p:grpSpPr>
-      <p:sp>
-        <p:nvSpPr>
-          <p:cNvPr id="2" name="Title 1">
-            <a:extLst>
-              <a:ext uri="{FF2B5EF4-FFF2-40B4-BE49-F238E27FC236}">
-                <a16:creationId xmlns:a16="http://schemas.microsoft.com/office/drawing/2014/main" id="{FD253367-16C3-B25E-B1DE-84702A2D435A}"/>
-              </a:ext>
-            </a:extLst>
-          </p:cNvPr>
-          <p:cNvSpPr>
-            <a:spLocks noGrp="1"/>
-          </p:cNvSpPr>
-          <p:nvPr>
-            <p:ph type="title"/>
-          </p:nvPr>
-        </p:nvSpPr>
-        <p:spPr>
-          <a:xfrm>
-            <a:off x="505609" y="0"/>
-            <a:ext cx="10848191" cy="1325563"/>
-          </a:xfrm>
-        </p:spPr>
-        <p:txBody>
-          <a:bodyPr/>
-          <a:lstStyle/>
-          <a:p>
-            <a:r>
-              <a:rPr lang="en-US" dirty="0"/>
-              <a:t>Installing Java and Eclipse</a:t>
-            </a:r>
-          </a:p>
-        </p:txBody>
-      </p:sp>
-      <p:sp>
-        <p:nvSpPr>
-          <p:cNvPr id="3" name="Content Placeholder 2">
-            <a:extLst>
-              <a:ext uri="{FF2B5EF4-FFF2-40B4-BE49-F238E27FC236}">
-                <a16:creationId xmlns:a16="http://schemas.microsoft.com/office/drawing/2014/main" id="{D7BA9E3B-9371-8AD3-CF67-7774B62327B6}"/>
-              </a:ext>
-            </a:extLst>
-          </p:cNvPr>
-          <p:cNvSpPr>
-            <a:spLocks noGrp="1"/>
-          </p:cNvSpPr>
-          <p:nvPr>
-            <p:ph idx="1"/>
-          </p:nvPr>
-        </p:nvSpPr>
-        <p:spPr>
-          <a:xfrm>
-            <a:off x="129092" y="1180166"/>
-            <a:ext cx="12191999" cy="853029"/>
-          </a:xfrm>
-        </p:spPr>
-        <p:txBody>
-          <a:bodyPr>
-            <a:normAutofit/>
-          </a:bodyPr>
-          <a:lstStyle/>
-          <a:p>
-            <a:pPr marL="0" indent="0">
-              <a:buNone/>
-            </a:pPr>
-            <a:r>
-              <a:rPr lang="en-US" dirty="0">
-                <a:hlinkClick r:id="rId2"/>
-              </a:rPr>
-              <a:t>https://github.com/RHIT-CSSE/csse220/blob/master/Docs/installing_eclipse.md</a:t>
-            </a:r>
-            <a:endParaRPr lang="en-US" dirty="0"/>
-          </a:p>
-          <a:p>
-            <a:pPr marL="0" indent="0">
-              <a:buNone/>
-            </a:pPr>
-            <a:endParaRPr lang="en-US" dirty="0"/>
-          </a:p>
-        </p:txBody>
-      </p:sp>
       <p:pic>
         <p:nvPicPr>
-          <p:cNvPr id="11" name="Picture 10">
-            <a:extLst>
-              <a:ext uri="{FF2B5EF4-FFF2-40B4-BE49-F238E27FC236}">
-                <a16:creationId xmlns:a16="http://schemas.microsoft.com/office/drawing/2014/main" id="{CAF6F5D4-4404-4593-33FB-9C6F2BDFE15A}"/>
+          <p:cNvPr id="5" name="Picture 4">
+            <a:extLst>
+              <a:ext uri="{FF2B5EF4-FFF2-40B4-BE49-F238E27FC236}">
+                <a16:creationId xmlns:a16="http://schemas.microsoft.com/office/drawing/2014/main" id="{8A7D1753-18A4-4E9E-D078-DA1E50952092}"/>
               </a:ext>
             </a:extLst>
           </p:cNvPr>
@@ -4812,15 +4735,15 @@
           <p:nvPr/>
         </p:nvPicPr>
         <p:blipFill>
-          <a:blip r:embed="rId3"/>
+          <a:blip r:embed="rId2"/>
           <a:stretch>
             <a:fillRect/>
           </a:stretch>
         </p:blipFill>
         <p:spPr>
           <a:xfrm>
-            <a:off x="0" y="1680333"/>
-            <a:ext cx="7173654" cy="3802110"/>
+            <a:off x="0" y="1606680"/>
+            <a:ext cx="7305718" cy="4076753"/>
           </a:xfrm>
           <a:prstGeom prst="rect">
             <a:avLst/>
@@ -4832,6 +4755,86 @@
           </a:ln>
         </p:spPr>
       </p:pic>
+      <p:sp>
+        <p:nvSpPr>
+          <p:cNvPr id="2" name="Title 1">
+            <a:extLst>
+              <a:ext uri="{FF2B5EF4-FFF2-40B4-BE49-F238E27FC236}">
+                <a16:creationId xmlns:a16="http://schemas.microsoft.com/office/drawing/2014/main" id="{FD253367-16C3-B25E-B1DE-84702A2D435A}"/>
+              </a:ext>
+            </a:extLst>
+          </p:cNvPr>
+          <p:cNvSpPr>
+            <a:spLocks noGrp="1"/>
+          </p:cNvSpPr>
+          <p:nvPr>
+            <p:ph type="title"/>
+          </p:nvPr>
+        </p:nvSpPr>
+        <p:spPr>
+          <a:xfrm>
+            <a:off x="505609" y="0"/>
+            <a:ext cx="10848191" cy="1325563"/>
+          </a:xfrm>
+        </p:spPr>
+        <p:txBody>
+          <a:bodyPr/>
+          <a:lstStyle/>
+          <a:p>
+            <a:r>
+              <a:rPr lang="en-US" dirty="0"/>
+              <a:t>Installing Java and Eclipse</a:t>
+            </a:r>
+          </a:p>
+        </p:txBody>
+      </p:sp>
+      <p:sp>
+        <p:nvSpPr>
+          <p:cNvPr id="3" name="Content Placeholder 2">
+            <a:extLst>
+              <a:ext uri="{FF2B5EF4-FFF2-40B4-BE49-F238E27FC236}">
+                <a16:creationId xmlns:a16="http://schemas.microsoft.com/office/drawing/2014/main" id="{D7BA9E3B-9371-8AD3-CF67-7774B62327B6}"/>
+              </a:ext>
+            </a:extLst>
+          </p:cNvPr>
+          <p:cNvSpPr>
+            <a:spLocks noGrp="1"/>
+          </p:cNvSpPr>
+          <p:nvPr>
+            <p:ph idx="1"/>
+          </p:nvPr>
+        </p:nvSpPr>
+        <p:spPr>
+          <a:xfrm>
+            <a:off x="129092" y="1180166"/>
+            <a:ext cx="12191999" cy="853029"/>
+          </a:xfrm>
+        </p:spPr>
+        <p:txBody>
+          <a:bodyPr>
+            <a:normAutofit/>
+          </a:bodyPr>
+          <a:lstStyle/>
+          <a:p>
+            <a:pPr marL="0" indent="0">
+              <a:buNone/>
+            </a:pPr>
+            <a:r>
+              <a:rPr lang="en-US" dirty="0">
+                <a:hlinkClick r:id="rId3"/>
+              </a:rPr>
+              <a:t>https://github.com/RHIT-CSSE/csse220/blob/master/Docs/installing_eclipse.md</a:t>
+            </a:r>
+            <a:endParaRPr lang="en-US" dirty="0"/>
+          </a:p>
+          <a:p>
+            <a:pPr marL="0" indent="0">
+              <a:buNone/>
+            </a:pPr>
+            <a:endParaRPr lang="en-US" dirty="0"/>
+          </a:p>
+        </p:txBody>
+      </p:sp>
       <p:pic>
         <p:nvPicPr>
           <p:cNvPr id="13" name="Picture 12">
@@ -5213,6 +5216,411 @@
     <p:extLst>
       <p:ext uri="{BB962C8B-B14F-4D97-AF65-F5344CB8AC3E}">
         <p14:creationId xmlns:p14="http://schemas.microsoft.com/office/powerpoint/2010/main" val="2203392176"/>
+      </p:ext>
+    </p:extLst>
+  </p:cSld>
+  <p:clrMapOvr>
+    <a:masterClrMapping/>
+  </p:clrMapOvr>
+</p:sld>
+</file>
+
+<file path=ppt/slides/slide5.xml><?xml version="1.0" encoding="utf-8"?>
+<p:sld xmlns:a="http://schemas.openxmlformats.org/drawingml/2006/main" xmlns:r="http://schemas.openxmlformats.org/officeDocument/2006/relationships" xmlns:p="http://schemas.openxmlformats.org/presentationml/2006/main">
+  <p:cSld>
+    <p:spTree>
+      <p:nvGrpSpPr>
+        <p:cNvPr id="1" name=""/>
+        <p:cNvGrpSpPr/>
+        <p:nvPr/>
+      </p:nvGrpSpPr>
+      <p:grpSpPr>
+        <a:xfrm>
+          <a:off x="0" y="0"/>
+          <a:ext cx="0" cy="0"/>
+          <a:chOff x="0" y="0"/>
+          <a:chExt cx="0" cy="0"/>
+        </a:xfrm>
+      </p:grpSpPr>
+      <p:sp>
+        <p:nvSpPr>
+          <p:cNvPr id="2" name="Title 1">
+            <a:extLst>
+              <a:ext uri="{FF2B5EF4-FFF2-40B4-BE49-F238E27FC236}">
+                <a16:creationId xmlns:a16="http://schemas.microsoft.com/office/drawing/2014/main" id="{7494F0D5-2C23-1C62-03AD-69F3AE247D33}"/>
+              </a:ext>
+            </a:extLst>
+          </p:cNvPr>
+          <p:cNvSpPr>
+            <a:spLocks noGrp="1"/>
+          </p:cNvSpPr>
+          <p:nvPr>
+            <p:ph type="title"/>
+          </p:nvPr>
+        </p:nvSpPr>
+        <p:spPr/>
+        <p:txBody>
+          <a:bodyPr/>
+          <a:lstStyle/>
+          <a:p>
+            <a:r>
+              <a:rPr lang="en-US" dirty="0"/>
+              <a:t>Eclipse Plugin – Coding Complexity</a:t>
+            </a:r>
+          </a:p>
+        </p:txBody>
+      </p:sp>
+      <p:sp>
+        <p:nvSpPr>
+          <p:cNvPr id="3" name="Content Placeholder 2">
+            <a:extLst>
+              <a:ext uri="{FF2B5EF4-FFF2-40B4-BE49-F238E27FC236}">
+                <a16:creationId xmlns:a16="http://schemas.microsoft.com/office/drawing/2014/main" id="{BB754E12-449D-B3D7-09F0-07EAF0EFF191}"/>
+              </a:ext>
+            </a:extLst>
+          </p:cNvPr>
+          <p:cNvSpPr>
+            <a:spLocks noGrp="1"/>
+          </p:cNvSpPr>
+          <p:nvPr>
+            <p:ph idx="1"/>
+          </p:nvPr>
+        </p:nvSpPr>
+        <p:spPr>
+          <a:xfrm>
+            <a:off x="838200" y="1449108"/>
+            <a:ext cx="10515600" cy="1649094"/>
+          </a:xfrm>
+        </p:spPr>
+        <p:txBody>
+          <a:bodyPr/>
+          <a:lstStyle/>
+          <a:p>
+            <a:r>
+              <a:rPr lang="en-US" dirty="0"/>
+              <a:t>New Spring 2024 Custom Eclipse Plugin</a:t>
+            </a:r>
+          </a:p>
+          <a:p>
+            <a:r>
+              <a:rPr lang="en-US" dirty="0"/>
+              <a:t>Provides you feedback on several HWs</a:t>
+            </a:r>
+          </a:p>
+          <a:p>
+            <a:r>
+              <a:rPr lang="en-US" dirty="0"/>
+              <a:t>Informs you if your code is getting slightly or excessively complex</a:t>
+            </a:r>
+          </a:p>
+        </p:txBody>
+      </p:sp>
+      <p:pic>
+        <p:nvPicPr>
+          <p:cNvPr id="6" name="Picture 5">
+            <a:extLst>
+              <a:ext uri="{FF2B5EF4-FFF2-40B4-BE49-F238E27FC236}">
+                <a16:creationId xmlns:a16="http://schemas.microsoft.com/office/drawing/2014/main" id="{3F40AAFF-4470-0E78-8360-78426E396F90}"/>
+              </a:ext>
+            </a:extLst>
+          </p:cNvPr>
+          <p:cNvPicPr>
+            <a:picLocks noChangeAspect="1"/>
+          </p:cNvPicPr>
+          <p:nvPr/>
+        </p:nvPicPr>
+        <p:blipFill>
+          <a:blip r:embed="rId2"/>
+          <a:stretch>
+            <a:fillRect/>
+          </a:stretch>
+        </p:blipFill>
+        <p:spPr>
+          <a:xfrm>
+            <a:off x="1065954" y="3098202"/>
+            <a:ext cx="4129988" cy="3429000"/>
+          </a:xfrm>
+          <a:prstGeom prst="rect">
+            <a:avLst/>
+          </a:prstGeom>
+        </p:spPr>
+      </p:pic>
+      <p:pic>
+        <p:nvPicPr>
+          <p:cNvPr id="8" name="Picture 7">
+            <a:extLst>
+              <a:ext uri="{FF2B5EF4-FFF2-40B4-BE49-F238E27FC236}">
+                <a16:creationId xmlns:a16="http://schemas.microsoft.com/office/drawing/2014/main" id="{927020F7-F15E-5898-8FA7-26C2C284CFF9}"/>
+              </a:ext>
+            </a:extLst>
+          </p:cNvPr>
+          <p:cNvPicPr>
+            <a:picLocks noChangeAspect="1"/>
+          </p:cNvPicPr>
+          <p:nvPr/>
+        </p:nvPicPr>
+        <p:blipFill>
+          <a:blip r:embed="rId3"/>
+          <a:stretch>
+            <a:fillRect/>
+          </a:stretch>
+        </p:blipFill>
+        <p:spPr>
+          <a:xfrm>
+            <a:off x="6111983" y="3201354"/>
+            <a:ext cx="4325776" cy="3325848"/>
+          </a:xfrm>
+          <a:prstGeom prst="rect">
+            <a:avLst/>
+          </a:prstGeom>
+        </p:spPr>
+      </p:pic>
+    </p:spTree>
+    <p:extLst>
+      <p:ext uri="{BB962C8B-B14F-4D97-AF65-F5344CB8AC3E}">
+        <p14:creationId xmlns:p14="http://schemas.microsoft.com/office/powerpoint/2010/main" val="833366305"/>
+      </p:ext>
+    </p:extLst>
+  </p:cSld>
+  <p:clrMapOvr>
+    <a:masterClrMapping/>
+  </p:clrMapOvr>
+</p:sld>
+</file>
+
+<file path=ppt/slides/slide6.xml><?xml version="1.0" encoding="utf-8"?>
+<p:sld xmlns:a="http://schemas.openxmlformats.org/drawingml/2006/main" xmlns:r="http://schemas.openxmlformats.org/officeDocument/2006/relationships" xmlns:p="http://schemas.openxmlformats.org/presentationml/2006/main">
+  <p:cSld>
+    <p:spTree>
+      <p:nvGrpSpPr>
+        <p:cNvPr id="1" name="">
+          <a:extLst>
+            <a:ext uri="{FF2B5EF4-FFF2-40B4-BE49-F238E27FC236}">
+              <a16:creationId xmlns:a16="http://schemas.microsoft.com/office/drawing/2014/main" id="{65499D6E-93EA-1D4C-AA49-E9AC70FB189A}"/>
+            </a:ext>
+          </a:extLst>
+        </p:cNvPr>
+        <p:cNvGrpSpPr/>
+        <p:nvPr/>
+      </p:nvGrpSpPr>
+      <p:grpSpPr>
+        <a:xfrm>
+          <a:off x="0" y="0"/>
+          <a:ext cx="0" cy="0"/>
+          <a:chOff x="0" y="0"/>
+          <a:chExt cx="0" cy="0"/>
+        </a:xfrm>
+      </p:grpSpPr>
+      <p:sp>
+        <p:nvSpPr>
+          <p:cNvPr id="2" name="Title 1">
+            <a:extLst>
+              <a:ext uri="{FF2B5EF4-FFF2-40B4-BE49-F238E27FC236}">
+                <a16:creationId xmlns:a16="http://schemas.microsoft.com/office/drawing/2014/main" id="{D519024F-0537-B0B5-5321-D331CD1A8FB5}"/>
+              </a:ext>
+            </a:extLst>
+          </p:cNvPr>
+          <p:cNvSpPr>
+            <a:spLocks noGrp="1"/>
+          </p:cNvSpPr>
+          <p:nvPr>
+            <p:ph type="title"/>
+          </p:nvPr>
+        </p:nvSpPr>
+        <p:spPr/>
+        <p:txBody>
+          <a:bodyPr/>
+          <a:lstStyle/>
+          <a:p>
+            <a:r>
+              <a:rPr lang="en-US" dirty="0"/>
+              <a:t>Eclipse Plugin – Coding Complexity</a:t>
+            </a:r>
+          </a:p>
+        </p:txBody>
+      </p:sp>
+      <p:pic>
+        <p:nvPicPr>
+          <p:cNvPr id="9" name="Picture 8">
+            <a:extLst>
+              <a:ext uri="{FF2B5EF4-FFF2-40B4-BE49-F238E27FC236}">
+                <a16:creationId xmlns:a16="http://schemas.microsoft.com/office/drawing/2014/main" id="{6C3D3FB4-2BCC-A7CF-74C9-0D380041554D}"/>
+              </a:ext>
+            </a:extLst>
+          </p:cNvPr>
+          <p:cNvPicPr>
+            <a:picLocks noChangeAspect="1"/>
+          </p:cNvPicPr>
+          <p:nvPr/>
+        </p:nvPicPr>
+        <p:blipFill>
+          <a:blip r:embed="rId2"/>
+          <a:stretch>
+            <a:fillRect/>
+          </a:stretch>
+        </p:blipFill>
+        <p:spPr>
+          <a:xfrm>
+            <a:off x="78093" y="1516828"/>
+            <a:ext cx="6125484" cy="4252892"/>
+          </a:xfrm>
+          <a:prstGeom prst="rect">
+            <a:avLst/>
+          </a:prstGeom>
+        </p:spPr>
+      </p:pic>
+      <p:pic>
+        <p:nvPicPr>
+          <p:cNvPr id="11" name="Picture 10">
+            <a:extLst>
+              <a:ext uri="{FF2B5EF4-FFF2-40B4-BE49-F238E27FC236}">
+                <a16:creationId xmlns:a16="http://schemas.microsoft.com/office/drawing/2014/main" id="{01928773-D7C0-872C-9019-0B5A2A6F878C}"/>
+              </a:ext>
+            </a:extLst>
+          </p:cNvPr>
+          <p:cNvPicPr>
+            <a:picLocks noChangeAspect="1"/>
+          </p:cNvPicPr>
+          <p:nvPr/>
+        </p:nvPicPr>
+        <p:blipFill>
+          <a:blip r:embed="rId3"/>
+          <a:stretch>
+            <a:fillRect/>
+          </a:stretch>
+        </p:blipFill>
+        <p:spPr>
+          <a:xfrm>
+            <a:off x="6203577" y="1516828"/>
+            <a:ext cx="5840002" cy="4819022"/>
+          </a:xfrm>
+          <a:prstGeom prst="rect">
+            <a:avLst/>
+          </a:prstGeom>
+        </p:spPr>
+      </p:pic>
+    </p:spTree>
+    <p:extLst>
+      <p:ext uri="{BB962C8B-B14F-4D97-AF65-F5344CB8AC3E}">
+        <p14:creationId xmlns:p14="http://schemas.microsoft.com/office/powerpoint/2010/main" val="2294417552"/>
+      </p:ext>
+    </p:extLst>
+  </p:cSld>
+  <p:clrMapOvr>
+    <a:masterClrMapping/>
+  </p:clrMapOvr>
+</p:sld>
+</file>
+
+<file path=ppt/slides/slide7.xml><?xml version="1.0" encoding="utf-8"?>
+<p:sld xmlns:a="http://schemas.openxmlformats.org/drawingml/2006/main" xmlns:r="http://schemas.openxmlformats.org/officeDocument/2006/relationships" xmlns:p="http://schemas.openxmlformats.org/presentationml/2006/main">
+  <p:cSld>
+    <p:spTree>
+      <p:nvGrpSpPr>
+        <p:cNvPr id="1" name=""/>
+        <p:cNvGrpSpPr/>
+        <p:nvPr/>
+      </p:nvGrpSpPr>
+      <p:grpSpPr>
+        <a:xfrm>
+          <a:off x="0" y="0"/>
+          <a:ext cx="0" cy="0"/>
+          <a:chOff x="0" y="0"/>
+          <a:chExt cx="0" cy="0"/>
+        </a:xfrm>
+      </p:grpSpPr>
+      <p:sp>
+        <p:nvSpPr>
+          <p:cNvPr id="2" name="Title 1">
+            <a:extLst>
+              <a:ext uri="{FF2B5EF4-FFF2-40B4-BE49-F238E27FC236}">
+                <a16:creationId xmlns:a16="http://schemas.microsoft.com/office/drawing/2014/main" id="{770F7FC1-A45B-79DD-1F2F-D49076710EAE}"/>
+              </a:ext>
+            </a:extLst>
+          </p:cNvPr>
+          <p:cNvSpPr>
+            <a:spLocks noGrp="1"/>
+          </p:cNvSpPr>
+          <p:nvPr>
+            <p:ph type="title"/>
+          </p:nvPr>
+        </p:nvSpPr>
+        <p:spPr/>
+        <p:txBody>
+          <a:bodyPr/>
+          <a:lstStyle/>
+          <a:p>
+            <a:r>
+              <a:rPr lang="en-US" dirty="0"/>
+              <a:t>Eclipse Plugin – Coding Complexity</a:t>
+            </a:r>
+          </a:p>
+        </p:txBody>
+      </p:sp>
+      <p:pic>
+        <p:nvPicPr>
+          <p:cNvPr id="5" name="Picture 4">
+            <a:extLst>
+              <a:ext uri="{FF2B5EF4-FFF2-40B4-BE49-F238E27FC236}">
+                <a16:creationId xmlns:a16="http://schemas.microsoft.com/office/drawing/2014/main" id="{46C3A470-DAE1-6F2F-A265-F2A41135B0F7}"/>
+              </a:ext>
+            </a:extLst>
+          </p:cNvPr>
+          <p:cNvPicPr>
+            <a:picLocks noChangeAspect="1"/>
+          </p:cNvPicPr>
+          <p:nvPr/>
+        </p:nvPicPr>
+        <p:blipFill>
+          <a:blip r:embed="rId2"/>
+          <a:stretch>
+            <a:fillRect/>
+          </a:stretch>
+        </p:blipFill>
+        <p:spPr>
+          <a:xfrm>
+            <a:off x="279699" y="1421747"/>
+            <a:ext cx="5094240" cy="5276626"/>
+          </a:xfrm>
+          <a:prstGeom prst="rect">
+            <a:avLst/>
+          </a:prstGeom>
+        </p:spPr>
+      </p:pic>
+      <p:pic>
+        <p:nvPicPr>
+          <p:cNvPr id="7" name="Picture 6">
+            <a:extLst>
+              <a:ext uri="{FF2B5EF4-FFF2-40B4-BE49-F238E27FC236}">
+                <a16:creationId xmlns:a16="http://schemas.microsoft.com/office/drawing/2014/main" id="{E4114783-3111-37F6-48FD-BE15A7A8D542}"/>
+              </a:ext>
+            </a:extLst>
+          </p:cNvPr>
+          <p:cNvPicPr>
+            <a:picLocks noChangeAspect="1"/>
+          </p:cNvPicPr>
+          <p:nvPr/>
+        </p:nvPicPr>
+        <p:blipFill>
+          <a:blip r:embed="rId3"/>
+          <a:stretch>
+            <a:fillRect/>
+          </a:stretch>
+        </p:blipFill>
+        <p:spPr>
+          <a:xfrm>
+            <a:off x="5637885" y="4307264"/>
+            <a:ext cx="6554115" cy="2391109"/>
+          </a:xfrm>
+          <a:prstGeom prst="rect">
+            <a:avLst/>
+          </a:prstGeom>
+        </p:spPr>
+      </p:pic>
+    </p:spTree>
+    <p:extLst>
+      <p:ext uri="{BB962C8B-B14F-4D97-AF65-F5344CB8AC3E}">
+        <p14:creationId xmlns:p14="http://schemas.microsoft.com/office/powerpoint/2010/main" val="397127104"/>
       </p:ext>
     </p:extLst>
   </p:cSld>

--- a/ClassMaterials/JavaIntro/Slides/Part3-SettingUpEnvironment.pptx
+++ b/ClassMaterials/JavaIntro/Slides/Part3-SettingUpEnvironment.pptx
@@ -959,7 +959,7 @@
           <a:p>
             <a:fld id="{A8CD1F60-86AF-274C-B759-04AFDD96F2D3}" type="datetimeFigureOut">
               <a:rPr lang="en-US" smtClean="0"/>
-              <a:t>2/26/2024</a:t>
+              <a:t>3/3/2025</a:t>
             </a:fld>
             <a:endParaRPr lang="en-US"/>
           </a:p>
@@ -1464,7 +1464,7 @@
           <a:p>
             <a:fld id="{1558ECB0-78E8-2947-93F5-766FFF283DA8}" type="datetimeFigureOut">
               <a:rPr lang="en-US" smtClean="0"/>
-              <a:t>2/26/2024</a:t>
+              <a:t>3/3/2025</a:t>
             </a:fld>
             <a:endParaRPr lang="en-US"/>
           </a:p>
@@ -1662,7 +1662,7 @@
           <a:p>
             <a:fld id="{1558ECB0-78E8-2947-93F5-766FFF283DA8}" type="datetimeFigureOut">
               <a:rPr lang="en-US" smtClean="0"/>
-              <a:t>2/26/2024</a:t>
+              <a:t>3/3/2025</a:t>
             </a:fld>
             <a:endParaRPr lang="en-US"/>
           </a:p>
@@ -1870,7 +1870,7 @@
           <a:p>
             <a:fld id="{1558ECB0-78E8-2947-93F5-766FFF283DA8}" type="datetimeFigureOut">
               <a:rPr lang="en-US" smtClean="0"/>
-              <a:t>2/26/2024</a:t>
+              <a:t>3/3/2025</a:t>
             </a:fld>
             <a:endParaRPr lang="en-US"/>
           </a:p>
@@ -2068,7 +2068,7 @@
           <a:p>
             <a:fld id="{1558ECB0-78E8-2947-93F5-766FFF283DA8}" type="datetimeFigureOut">
               <a:rPr lang="en-US" smtClean="0"/>
-              <a:t>2/26/2024</a:t>
+              <a:t>3/3/2025</a:t>
             </a:fld>
             <a:endParaRPr lang="en-US"/>
           </a:p>
@@ -2343,7 +2343,7 @@
           <a:p>
             <a:fld id="{1558ECB0-78E8-2947-93F5-766FFF283DA8}" type="datetimeFigureOut">
               <a:rPr lang="en-US" smtClean="0"/>
-              <a:t>2/26/2024</a:t>
+              <a:t>3/3/2025</a:t>
             </a:fld>
             <a:endParaRPr lang="en-US"/>
           </a:p>
@@ -2608,7 +2608,7 @@
           <a:p>
             <a:fld id="{1558ECB0-78E8-2947-93F5-766FFF283DA8}" type="datetimeFigureOut">
               <a:rPr lang="en-US" smtClean="0"/>
-              <a:t>2/26/2024</a:t>
+              <a:t>3/3/2025</a:t>
             </a:fld>
             <a:endParaRPr lang="en-US"/>
           </a:p>
@@ -3020,7 +3020,7 @@
           <a:p>
             <a:fld id="{1558ECB0-78E8-2947-93F5-766FFF283DA8}" type="datetimeFigureOut">
               <a:rPr lang="en-US" smtClean="0"/>
-              <a:t>2/26/2024</a:t>
+              <a:t>3/3/2025</a:t>
             </a:fld>
             <a:endParaRPr lang="en-US"/>
           </a:p>
@@ -3161,7 +3161,7 @@
           <a:p>
             <a:fld id="{1558ECB0-78E8-2947-93F5-766FFF283DA8}" type="datetimeFigureOut">
               <a:rPr lang="en-US" smtClean="0"/>
-              <a:t>2/26/2024</a:t>
+              <a:t>3/3/2025</a:t>
             </a:fld>
             <a:endParaRPr lang="en-US"/>
           </a:p>
@@ -3274,7 +3274,7 @@
           <a:p>
             <a:fld id="{1558ECB0-78E8-2947-93F5-766FFF283DA8}" type="datetimeFigureOut">
               <a:rPr lang="en-US" smtClean="0"/>
-              <a:t>2/26/2024</a:t>
+              <a:t>3/3/2025</a:t>
             </a:fld>
             <a:endParaRPr lang="en-US"/>
           </a:p>
@@ -3585,7 +3585,7 @@
           <a:p>
             <a:fld id="{1558ECB0-78E8-2947-93F5-766FFF283DA8}" type="datetimeFigureOut">
               <a:rPr lang="en-US" smtClean="0"/>
-              <a:t>2/26/2024</a:t>
+              <a:t>3/3/2025</a:t>
             </a:fld>
             <a:endParaRPr lang="en-US"/>
           </a:p>
@@ -3873,7 +3873,7 @@
           <a:p>
             <a:fld id="{1558ECB0-78E8-2947-93F5-766FFF283DA8}" type="datetimeFigureOut">
               <a:rPr lang="en-US" smtClean="0"/>
-              <a:t>2/26/2024</a:t>
+              <a:t>3/3/2025</a:t>
             </a:fld>
             <a:endParaRPr lang="en-US"/>
           </a:p>
@@ -4114,7 +4114,7 @@
           <a:p>
             <a:fld id="{1558ECB0-78E8-2947-93F5-766FFF283DA8}" type="datetimeFigureOut">
               <a:rPr lang="en-US" smtClean="0"/>
-              <a:t>2/26/2024</a:t>
+              <a:t>3/3/2025</a:t>
             </a:fld>
             <a:endParaRPr lang="en-US"/>
           </a:p>
